--- a/Lec_2.pptx
+++ b/Lec_2.pptx
@@ -337,7 +337,7 @@
               <a:pPr>
                 <a:defRPr/>
               </a:pPr>
-              <a:t>4/30/2023</a:t>
+              <a:t>2/25/2024</a:t>
             </a:fld>
             <a:endParaRPr lang="en-US"/>
           </a:p>
@@ -528,7 +528,7 @@
               <a:pPr>
                 <a:defRPr/>
               </a:pPr>
-              <a:t>4/30/2023</a:t>
+              <a:t>2/25/2024</a:t>
             </a:fld>
             <a:endParaRPr lang="en-US"/>
           </a:p>
@@ -2648,7 +2648,7 @@
             </a:pPr>
             <a:fld id="{09F8CC9C-84F8-40DE-8072-8418EEAB0285}" type="datetime3">
               <a:rPr lang="en-US" smtClean="0"/>
-              <a:t>30 April 2023</a:t>
+              <a:t>25 February 2024</a:t>
             </a:fld>
             <a:endParaRPr lang="en-US"/>
           </a:p>
@@ -2858,7 +2858,7 @@
             </a:pPr>
             <a:fld id="{716D55AE-634D-4C1B-8690-AC1D7DE7B5BE}" type="datetime3">
               <a:rPr lang="en-US" smtClean="0"/>
-              <a:t>30 April 2023</a:t>
+              <a:t>25 February 2024</a:t>
             </a:fld>
             <a:endParaRPr lang="en-US"/>
           </a:p>
@@ -3072,7 +3072,7 @@
             </a:pPr>
             <a:fld id="{FC5FEC6E-2813-41AC-AFD2-1BB4F76C4C42}" type="datetime3">
               <a:rPr lang="en-US" smtClean="0"/>
-              <a:t>30 April 2023</a:t>
+              <a:t>25 February 2024</a:t>
             </a:fld>
             <a:endParaRPr lang="en-US"/>
           </a:p>
@@ -3342,7 +3342,7 @@
             </a:pPr>
             <a:fld id="{47601248-B7BA-4226-AE39-676FAFBA4435}" type="datetime3">
               <a:rPr lang="en-US" smtClean="0"/>
-              <a:t>30 April 2023</a:t>
+              <a:t>25 February 2024</a:t>
             </a:fld>
             <a:endParaRPr lang="en-US"/>
           </a:p>
@@ -3668,7 +3668,7 @@
             </a:pPr>
             <a:fld id="{75917CBA-66F1-4240-B43C-9C76CBF5B267}" type="datetime3">
               <a:rPr lang="en-US" smtClean="0"/>
-              <a:t>30 April 2023</a:t>
+              <a:t>25 February 2024</a:t>
             </a:fld>
             <a:endParaRPr lang="en-US"/>
           </a:p>
@@ -3855,7 +3855,7 @@
             </a:pPr>
             <a:fld id="{4A83CA73-0BFC-4EA3-BF88-0A7EFA16E2AD}" type="datetime3">
               <a:rPr lang="en-US" smtClean="0"/>
-              <a:t>30 April 2023</a:t>
+              <a:t>25 February 2024</a:t>
             </a:fld>
             <a:endParaRPr lang="en-US"/>
           </a:p>
@@ -4059,7 +4059,7 @@
             </a:pPr>
             <a:fld id="{E84513CC-386E-465A-BA6A-30F6981BE159}" type="datetime3">
               <a:rPr lang="en-US" smtClean="0"/>
-              <a:t>30 April 2023</a:t>
+              <a:t>25 February 2024</a:t>
             </a:fld>
             <a:endParaRPr lang="en-US"/>
           </a:p>
@@ -4286,7 +4286,7 @@
             </a:pPr>
             <a:fld id="{69C60E08-14DF-4CC3-9FDE-CF7B231AFBD8}" type="datetime3">
               <a:rPr lang="en-US" smtClean="0"/>
-              <a:t>30 April 2023</a:t>
+              <a:t>25 February 2024</a:t>
             </a:fld>
             <a:endParaRPr lang="en-US"/>
           </a:p>
@@ -4607,7 +4607,7 @@
             </a:pPr>
             <a:fld id="{9AE376AB-52E6-4ECC-81F8-F519C015FFCD}" type="datetime3">
               <a:rPr lang="en-US" smtClean="0"/>
-              <a:t>30 April 2023</a:t>
+              <a:t>25 February 2024</a:t>
             </a:fld>
             <a:endParaRPr lang="en-US"/>
           </a:p>
@@ -5067,7 +5067,7 @@
             </a:pPr>
             <a:fld id="{8CD96E5A-2F28-43E6-9810-21E990481036}" type="datetime3">
               <a:rPr lang="en-US" smtClean="0"/>
-              <a:t>30 April 2023</a:t>
+              <a:t>25 February 2024</a:t>
             </a:fld>
             <a:endParaRPr lang="en-US"/>
           </a:p>
@@ -5220,7 +5220,7 @@
             </a:pPr>
             <a:fld id="{C94AA14A-B3C0-4F6A-9ECD-D50E54560BF4}" type="datetime3">
               <a:rPr lang="en-US" smtClean="0"/>
-              <a:t>30 April 2023</a:t>
+              <a:t>25 February 2024</a:t>
             </a:fld>
             <a:endParaRPr lang="en-US"/>
           </a:p>
@@ -5351,7 +5351,7 @@
             </a:pPr>
             <a:fld id="{2DF9D6B0-2C09-47F5-8733-DDB6D3B95B5B}" type="datetime3">
               <a:rPr lang="en-US" smtClean="0"/>
-              <a:t>30 April 2023</a:t>
+              <a:t>25 February 2024</a:t>
             </a:fld>
             <a:endParaRPr lang="en-US"/>
           </a:p>
@@ -5662,7 +5662,7 @@
             </a:pPr>
             <a:fld id="{FE51208B-D869-4FEE-B747-98C7BABACDFD}" type="datetime3">
               <a:rPr lang="en-US" smtClean="0"/>
-              <a:t>30 April 2023</a:t>
+              <a:t>25 February 2024</a:t>
             </a:fld>
             <a:endParaRPr lang="en-US"/>
           </a:p>
@@ -5951,7 +5951,7 @@
             </a:pPr>
             <a:fld id="{A3DBA343-2E60-4640-801C-3DC38DEBAD4C}" type="datetime3">
               <a:rPr lang="en-US" smtClean="0"/>
-              <a:t>30 April 2023</a:t>
+              <a:t>25 February 2024</a:t>
             </a:fld>
             <a:endParaRPr lang="en-US"/>
           </a:p>
@@ -6342,7 +6342,7 @@
             </a:pPr>
             <a:fld id="{CABEC362-8481-4E91-9909-6D6E193E08BE}" type="datetime3">
               <a:rPr lang="en-US" smtClean="0"/>
-              <a:t>30 April 2023</a:t>
+              <a:t>25 February 2024</a:t>
             </a:fld>
             <a:endParaRPr lang="en-US"/>
           </a:p>
@@ -7357,7 +7357,23 @@
                 <a:latin typeface="Bookman Old Style" panose="02050604050505020204" pitchFamily="18" charset="0"/>
                 <a:cs typeface="Arabic Typesetting" panose="03020402040406030203" pitchFamily="66" charset="-78"/>
               </a:rPr>
-              <a:t> T. Mayooran, </a:t>
+              <a:t> Dr T. Mayooran,</a:t>
+            </a:r>
+          </a:p>
+          <a:p>
+            <a:pPr algn="ctr" eaLnBrk="1" hangingPunct="1">
+              <a:spcBef>
+                <a:spcPct val="0"/>
+              </a:spcBef>
+              <a:buFontTx/>
+              <a:buNone/>
+            </a:pPr>
+            <a:r>
+              <a:rPr lang="en-US" altLang="en-US" sz="2400" dirty="0">
+                <a:latin typeface="Bookman Old Style" panose="02050604050505020204" pitchFamily="18" charset="0"/>
+                <a:cs typeface="Arabic Typesetting" panose="03020402040406030203" pitchFamily="66" charset="-78"/>
+              </a:rPr>
+              <a:t>Senior Lecturer, </a:t>
             </a:r>
           </a:p>
           <a:p>
@@ -7968,7 +7984,7 @@
             </a:pPr>
             <a:fld id="{95048985-04BF-4E44-AD19-D0D3F0603289}" type="datetime3">
               <a:rPr lang="en-US" smtClean="0"/>
-              <a:t>30 April 2023</a:t>
+              <a:t>25 February 2024</a:t>
             </a:fld>
             <a:endParaRPr lang="en-US"/>
           </a:p>
@@ -8064,7 +8080,7 @@
             </a:pPr>
             <a:fld id="{E84513CC-386E-465A-BA6A-30F6981BE159}" type="datetime3">
               <a:rPr lang="en-US" smtClean="0"/>
-              <a:t>30 April 2023</a:t>
+              <a:t>25 February 2024</a:t>
             </a:fld>
             <a:endParaRPr lang="en-US"/>
           </a:p>
@@ -8424,7 +8440,7 @@
             </a:pPr>
             <a:fld id="{AD34042D-3D9D-4FC6-9B98-A2348A3B1F55}" type="datetime3">
               <a:rPr lang="en-US" smtClean="0"/>
-              <a:t>30 April 2023</a:t>
+              <a:t>25 February 2024</a:t>
             </a:fld>
             <a:endParaRPr lang="en-US"/>
           </a:p>
@@ -8982,7 +8998,7 @@
             </a:pPr>
             <a:fld id="{F88D8068-8654-4924-9BD1-7CDF87CD92A5}" type="datetime3">
               <a:rPr lang="en-US" smtClean="0"/>
-              <a:t>30 April 2023</a:t>
+              <a:t>25 February 2024</a:t>
             </a:fld>
             <a:endParaRPr lang="en-US"/>
           </a:p>
@@ -9406,7 +9422,7 @@
             </a:pPr>
             <a:fld id="{F2DD698F-3BD9-418E-A792-7D377A113FB1}" type="datetime3">
               <a:rPr lang="en-US" smtClean="0"/>
-              <a:t>30 April 2023</a:t>
+              <a:t>25 February 2024</a:t>
             </a:fld>
             <a:endParaRPr lang="en-US"/>
           </a:p>
@@ -9502,7 +9518,7 @@
             </a:pPr>
             <a:fld id="{E84513CC-386E-465A-BA6A-30F6981BE159}" type="datetime3">
               <a:rPr lang="en-US" smtClean="0"/>
-              <a:t>30 April 2023</a:t>
+              <a:t>25 February 2024</a:t>
             </a:fld>
             <a:endParaRPr lang="en-US"/>
           </a:p>
@@ -10206,7 +10222,7 @@
             </a:pPr>
             <a:fld id="{39FACAE6-9AE1-4F0B-B5CC-4BF41824B418}" type="datetime3">
               <a:rPr lang="en-US" smtClean="0"/>
-              <a:t>30 April 2023</a:t>
+              <a:t>25 February 2024</a:t>
             </a:fld>
             <a:endParaRPr lang="en-US"/>
           </a:p>
@@ -11647,7 +11663,7 @@
             </a:pPr>
             <a:fld id="{ADB65D6C-4348-4AC0-9BFF-00B252066DF6}" type="datetime3">
               <a:rPr lang="en-US" smtClean="0"/>
-              <a:t>30 April 2023</a:t>
+              <a:t>25 February 2024</a:t>
             </a:fld>
             <a:endParaRPr lang="en-US"/>
           </a:p>
@@ -11871,7 +11887,7 @@
             </a:pPr>
             <a:fld id="{EE124259-3191-46DA-AA9A-852595855449}" type="datetime3">
               <a:rPr lang="en-US" smtClean="0"/>
-              <a:t>30 April 2023</a:t>
+              <a:t>25 February 2024</a:t>
             </a:fld>
             <a:endParaRPr lang="en-US"/>
           </a:p>
@@ -12850,7 +12866,7 @@
             </a:pPr>
             <a:fld id="{B6F2AD38-D8BE-4BB7-BB5D-2984C81D5B9C}" type="datetime3">
               <a:rPr lang="en-US" smtClean="0"/>
-              <a:t>30 April 2023</a:t>
+              <a:t>25 February 2024</a:t>
             </a:fld>
             <a:endParaRPr lang="en-US"/>
           </a:p>
@@ -13096,7 +13112,7 @@
             </a:pPr>
             <a:fld id="{0EB6E69A-E8EE-4A35-B1E2-0DA7D146084C}" type="datetime3">
               <a:rPr lang="en-US" smtClean="0"/>
-              <a:t>30 April 2023</a:t>
+              <a:t>25 February 2024</a:t>
             </a:fld>
             <a:endParaRPr lang="en-US"/>
           </a:p>
@@ -13346,7 +13362,7 @@
             </a:pPr>
             <a:fld id="{E9EF4D00-61EE-4569-A1E2-EA8BC7728858}" type="datetime3">
               <a:rPr lang="en-US" smtClean="0"/>
-              <a:t>30 April 2023</a:t>
+              <a:t>25 February 2024</a:t>
             </a:fld>
             <a:endParaRPr lang="en-US"/>
           </a:p>
@@ -13442,7 +13458,7 @@
             </a:pPr>
             <a:fld id="{E84513CC-386E-465A-BA6A-30F6981BE159}" type="datetime3">
               <a:rPr lang="en-US" smtClean="0"/>
-              <a:t>30 April 2023</a:t>
+              <a:t>25 February 2024</a:t>
             </a:fld>
             <a:endParaRPr lang="en-US"/>
           </a:p>
@@ -14170,7 +14186,7 @@
             </a:pPr>
             <a:fld id="{88CA511A-0CB3-4831-BDF9-10D3D1622EF6}" type="datetime3">
               <a:rPr lang="en-US" smtClean="0"/>
-              <a:t>30 April 2023</a:t>
+              <a:t>25 February 2024</a:t>
             </a:fld>
             <a:endParaRPr lang="en-US"/>
           </a:p>
@@ -15006,7 +15022,7 @@
             </a:pPr>
             <a:fld id="{3E1AA7E2-38AE-438C-8949-ABBD868B8326}" type="datetime3">
               <a:rPr lang="en-US" smtClean="0"/>
-              <a:t>30 April 2023</a:t>
+              <a:t>25 February 2024</a:t>
             </a:fld>
             <a:endParaRPr lang="en-US"/>
           </a:p>
@@ -15546,7 +15562,7 @@
             </a:pPr>
             <a:fld id="{6A1592CA-4315-4238-AD66-2149C2A8E6FC}" type="datetime3">
               <a:rPr lang="en-US" smtClean="0"/>
-              <a:t>30 April 2023</a:t>
+              <a:t>25 February 2024</a:t>
             </a:fld>
             <a:endParaRPr lang="en-US"/>
           </a:p>
@@ -15874,7 +15890,7 @@
             </a:pPr>
             <a:fld id="{1CF7A16D-5561-4894-B820-D1114137ADA5}" type="datetime3">
               <a:rPr lang="en-US" smtClean="0"/>
-              <a:t>30 April 2023</a:t>
+              <a:t>25 February 2024</a:t>
             </a:fld>
             <a:endParaRPr lang="en-US"/>
           </a:p>
@@ -16182,7 +16198,7 @@
             </a:pPr>
             <a:fld id="{E3388B9F-6703-4857-BB71-2C0F330A4C22}" type="datetime3">
               <a:rPr lang="en-US" smtClean="0"/>
-              <a:t>30 April 2023</a:t>
+              <a:t>25 February 2024</a:t>
             </a:fld>
             <a:endParaRPr lang="en-US"/>
           </a:p>
@@ -16742,7 +16758,7 @@
             </a:pPr>
             <a:fld id="{1B167F89-51DE-4E5A-9643-6D09BE10EC3C}" type="datetime3">
               <a:rPr lang="en-US" smtClean="0"/>
-              <a:t>30 April 2023</a:t>
+              <a:t>25 February 2024</a:t>
             </a:fld>
             <a:endParaRPr lang="en-US"/>
           </a:p>
@@ -16945,7 +16961,7 @@
             </a:pPr>
             <a:fld id="{1E7A21E6-A7EE-4EAE-B102-2A5E242977C6}" type="datetime3">
               <a:rPr lang="en-US" smtClean="0"/>
-              <a:t>30 April 2023</a:t>
+              <a:t>25 February 2024</a:t>
             </a:fld>
             <a:endParaRPr lang="en-US"/>
           </a:p>
@@ -17181,7 +17197,7 @@
             </a:pPr>
             <a:fld id="{B426EADD-E9EA-4B10-9F1D-599BEBF165AA}" type="datetime3">
               <a:rPr lang="en-US" smtClean="0"/>
-              <a:t>30 April 2023</a:t>
+              <a:t>25 February 2024</a:t>
             </a:fld>
             <a:endParaRPr lang="en-US"/>
           </a:p>
@@ -17347,7 +17363,7 @@
             </a:pPr>
             <a:fld id="{E5976918-E21D-4366-A99A-8F0C4B673D1F}" type="datetime3">
               <a:rPr lang="en-US" smtClean="0"/>
-              <a:t>30 April 2023</a:t>
+              <a:t>25 February 2024</a:t>
             </a:fld>
             <a:endParaRPr lang="en-US"/>
           </a:p>
@@ -17689,7 +17705,7 @@
             </a:pPr>
             <a:fld id="{EEB8F818-3AE2-49EE-A2AD-A9C1FD59581A}" type="datetime3">
               <a:rPr lang="en-US" smtClean="0"/>
-              <a:t>30 April 2023</a:t>
+              <a:t>25 February 2024</a:t>
             </a:fld>
             <a:endParaRPr lang="en-US"/>
           </a:p>
@@ -18160,7 +18176,7 @@
             </a:pPr>
             <a:fld id="{98CA9101-7B80-438D-B9F9-D90458832093}" type="datetime3">
               <a:rPr lang="en-US" smtClean="0"/>
-              <a:t>30 April 2023</a:t>
+              <a:t>25 February 2024</a:t>
             </a:fld>
             <a:endParaRPr lang="en-US"/>
           </a:p>
@@ -18438,7 +18454,7 @@
             </a:pPr>
             <a:fld id="{A353ED53-EFF6-4FE4-85A5-FAC6FA6431BF}" type="datetime3">
               <a:rPr lang="en-US" smtClean="0"/>
-              <a:t>30 April 2023</a:t>
+              <a:t>25 February 2024</a:t>
             </a:fld>
             <a:endParaRPr lang="en-US"/>
           </a:p>
@@ -18695,7 +18711,7 @@
             </a:pPr>
             <a:fld id="{5AB3E753-C921-4F16-BBD6-D8C2B0D6C0FA}" type="datetime3">
               <a:rPr lang="en-US" smtClean="0"/>
-              <a:t>30 April 2023</a:t>
+              <a:t>25 February 2024</a:t>
             </a:fld>
             <a:endParaRPr lang="en-US"/>
           </a:p>
@@ -20065,7 +20081,7 @@
             </a:pPr>
             <a:fld id="{B8962B9F-E6B6-432A-AA4C-8551F038804E}" type="datetime3">
               <a:rPr lang="en-US" smtClean="0"/>
-              <a:t>30 April 2023</a:t>
+              <a:t>25 February 2024</a:t>
             </a:fld>
             <a:endParaRPr lang="en-US"/>
           </a:p>
@@ -20397,7 +20413,7 @@
             </a:pPr>
             <a:fld id="{E6BFBD91-ED7F-45FC-B809-AC0E7C9C9CF3}" type="datetime3">
               <a:rPr lang="en-US" smtClean="0"/>
-              <a:t>30 April 2023</a:t>
+              <a:t>25 February 2024</a:t>
             </a:fld>
             <a:endParaRPr lang="en-US"/>
           </a:p>
@@ -20654,7 +20670,7 @@
             </a:pPr>
             <a:fld id="{70A7DE80-08CF-4BC0-B5E4-33AAC1BEC369}" type="datetime3">
               <a:rPr lang="en-US" smtClean="0"/>
-              <a:t>30 April 2023</a:t>
+              <a:t>25 February 2024</a:t>
             </a:fld>
             <a:endParaRPr lang="en-US"/>
           </a:p>
@@ -21040,7 +21056,7 @@
             </a:pPr>
             <a:fld id="{C755EF04-B0E8-45CA-91C9-E01B1BAF11A0}" type="datetime3">
               <a:rPr lang="en-US" smtClean="0"/>
-              <a:t>30 April 2023</a:t>
+              <a:t>25 February 2024</a:t>
             </a:fld>
             <a:endParaRPr lang="en-US"/>
           </a:p>
@@ -21420,7 +21436,7 @@
             </a:pPr>
             <a:fld id="{4967952A-FAC5-4532-A65B-61C08D7A309F}" type="datetime3">
               <a:rPr lang="en-US" smtClean="0"/>
-              <a:t>30 April 2023</a:t>
+              <a:t>25 February 2024</a:t>
             </a:fld>
             <a:endParaRPr lang="en-US"/>
           </a:p>
@@ -21742,7 +21758,7 @@
             </a:pPr>
             <a:fld id="{B8111191-3A4D-4B9C-A42F-94960EF056CE}" type="datetime3">
               <a:rPr lang="en-US" smtClean="0"/>
-              <a:t>30 April 2023</a:t>
+              <a:t>25 February 2024</a:t>
             </a:fld>
             <a:endParaRPr lang="en-US"/>
           </a:p>
@@ -22259,7 +22275,7 @@
             </a:pPr>
             <a:fld id="{5D897CCF-6D2F-4795-9715-E8C554639C8B}" type="datetime3">
               <a:rPr lang="en-US" smtClean="0"/>
-              <a:t>30 April 2023</a:t>
+              <a:t>25 February 2024</a:t>
             </a:fld>
             <a:endParaRPr lang="en-US"/>
           </a:p>
@@ -22495,7 +22511,7 @@
             </a:pPr>
             <a:fld id="{D0FA1C7F-455E-44F1-9B60-4F35947B313F}" type="datetime3">
               <a:rPr lang="en-US" smtClean="0"/>
-              <a:t>30 April 2023</a:t>
+              <a:t>25 February 2024</a:t>
             </a:fld>
             <a:endParaRPr lang="en-US"/>
           </a:p>
@@ -22674,7 +22690,7 @@
             </a:pPr>
             <a:fld id="{7C5C2DBB-6B56-42CD-916A-3425A3F1F19D}" type="datetime3">
               <a:rPr lang="en-US" smtClean="0"/>
-              <a:t>30 April 2023</a:t>
+              <a:t>25 February 2024</a:t>
             </a:fld>
             <a:endParaRPr lang="en-US"/>
           </a:p>
@@ -23526,7 +23542,7 @@
             </a:pPr>
             <a:fld id="{BF23377F-D136-4709-9F5F-D22F5476FF57}" type="datetime3">
               <a:rPr lang="en-US" smtClean="0"/>
-              <a:t>30 April 2023</a:t>
+              <a:t>25 February 2024</a:t>
             </a:fld>
             <a:endParaRPr lang="en-US"/>
           </a:p>
@@ -23913,7 +23929,7 @@
             </a:pPr>
             <a:fld id="{1DB100C2-340C-49A5-BBEB-11104182BC52}" type="datetime3">
               <a:rPr lang="en-US" smtClean="0"/>
-              <a:t>30 April 2023</a:t>
+              <a:t>25 February 2024</a:t>
             </a:fld>
             <a:endParaRPr lang="en-US"/>
           </a:p>
@@ -26183,7 +26199,7 @@
             </a:pPr>
             <a:fld id="{681C6843-FF4B-4CC3-9D83-019110DBFF94}" type="datetime3">
               <a:rPr lang="en-US" smtClean="0"/>
-              <a:t>30 April 2023</a:t>
+              <a:t>25 February 2024</a:t>
             </a:fld>
             <a:endParaRPr lang="en-US"/>
           </a:p>
@@ -26349,7 +26365,7 @@
             </a:pPr>
             <a:fld id="{5859AEBA-F6AB-49EE-8780-913E8CDDEBD0}" type="datetime3">
               <a:rPr lang="en-US" smtClean="0"/>
-              <a:t>30 April 2023</a:t>
+              <a:t>25 February 2024</a:t>
             </a:fld>
             <a:endParaRPr lang="en-US"/>
           </a:p>
@@ -27725,7 +27741,7 @@
             </a:pPr>
             <a:fld id="{6C663D29-D2DE-4479-9FDF-4B368715B6AE}" type="datetime3">
               <a:rPr lang="en-US" smtClean="0"/>
-              <a:t>30 April 2023</a:t>
+              <a:t>25 February 2024</a:t>
             </a:fld>
             <a:endParaRPr lang="en-US"/>
           </a:p>
@@ -28144,7 +28160,7 @@
             </a:pPr>
             <a:fld id="{B0E3FDB2-5DD5-4821-98FB-ECA873B556B4}" type="datetime3">
               <a:rPr lang="en-US" smtClean="0"/>
-              <a:t>30 April 2023</a:t>
+              <a:t>25 February 2024</a:t>
             </a:fld>
             <a:endParaRPr lang="en-US"/>
           </a:p>
@@ -28718,7 +28734,7 @@
             </a:pPr>
             <a:fld id="{16B337EE-166F-461B-A566-D134E32B6B92}" type="datetime3">
               <a:rPr lang="en-US" smtClean="0"/>
-              <a:t>30 April 2023</a:t>
+              <a:t>25 February 2024</a:t>
             </a:fld>
             <a:endParaRPr lang="en-US"/>
           </a:p>
@@ -28956,7 +28972,7 @@
             </a:pPr>
             <a:fld id="{545D380C-110E-4655-8835-703B86B52DC9}" type="datetime3">
               <a:rPr lang="en-US" smtClean="0"/>
-              <a:t>30 April 2023</a:t>
+              <a:t>25 February 2024</a:t>
             </a:fld>
             <a:endParaRPr lang="en-US"/>
           </a:p>
@@ -29293,7 +29309,7 @@
             </a:pPr>
             <a:fld id="{C76C4506-18BB-4DC3-9963-5B6B5D2C312A}" type="datetime3">
               <a:rPr lang="en-US" smtClean="0"/>
-              <a:t>30 April 2023</a:t>
+              <a:t>25 February 2024</a:t>
             </a:fld>
             <a:endParaRPr lang="en-US"/>
           </a:p>
@@ -29615,7 +29631,7 @@
             </a:pPr>
             <a:fld id="{7AF4293D-23FF-4BF9-B63D-5A2BD8C98BA0}" type="datetime3">
               <a:rPr lang="en-US" smtClean="0"/>
-              <a:t>30 April 2023</a:t>
+              <a:t>25 February 2024</a:t>
             </a:fld>
             <a:endParaRPr lang="en-US"/>
           </a:p>
@@ -29742,7 +29758,7 @@
             </a:pPr>
             <a:fld id="{E84513CC-386E-465A-BA6A-30F6981BE159}" type="datetime3">
               <a:rPr lang="en-US" smtClean="0"/>
-              <a:t>30 April 2023</a:t>
+              <a:t>25 February 2024</a:t>
             </a:fld>
             <a:endParaRPr lang="en-US"/>
           </a:p>
@@ -30296,7 +30312,7 @@
             </a:pPr>
             <a:fld id="{E84513CC-386E-465A-BA6A-30F6981BE159}" type="datetime3">
               <a:rPr lang="en-US" smtClean="0"/>
-              <a:t>30 April 2023</a:t>
+              <a:t>25 February 2024</a:t>
             </a:fld>
             <a:endParaRPr lang="en-US"/>
           </a:p>
@@ -30998,7 +31014,7 @@
             </a:pPr>
             <a:fld id="{A135E72B-EC67-440E-B701-D870B3AE9BEA}" type="datetime3">
               <a:rPr lang="en-US" smtClean="0"/>
-              <a:t>30 April 2023</a:t>
+              <a:t>25 February 2024</a:t>
             </a:fld>
             <a:endParaRPr lang="en-US"/>
           </a:p>
@@ -31531,7 +31547,7 @@
             </a:pPr>
             <a:fld id="{754A58C3-D815-42FE-8A0E-BF28211EFBE3}" type="datetime3">
               <a:rPr lang="en-US" smtClean="0"/>
-              <a:t>30 April 2023</a:t>
+              <a:t>25 February 2024</a:t>
             </a:fld>
             <a:endParaRPr lang="en-US"/>
           </a:p>
@@ -31781,7 +31797,7 @@
             </a:pPr>
             <a:fld id="{F6931E58-3720-4433-BCC0-93EF419A61F9}" type="datetime3">
               <a:rPr lang="en-US" smtClean="0"/>
-              <a:t>30 April 2023</a:t>
+              <a:t>25 February 2024</a:t>
             </a:fld>
             <a:endParaRPr lang="en-US"/>
           </a:p>
@@ -32001,7 +32017,7 @@
                 </a:solidFill>
               </a:rPr>
               <a:pPr/>
-              <a:t>Sunday, April 30, 2023</a:t>
+              <a:t>Sunday, February 25, 2024</a:t>
             </a:fld>
             <a:endParaRPr lang="en-US" altLang="en-US" sz="1400">
               <a:solidFill>
@@ -34691,7 +34707,7 @@
             </a:pPr>
             <a:fld id="{C93ED6A8-3DFA-4452-A8D0-7232426E2736}" type="datetime3">
               <a:rPr lang="en-US" smtClean="0"/>
-              <a:t>30 April 2023</a:t>
+              <a:t>25 February 2024</a:t>
             </a:fld>
             <a:endParaRPr lang="en-US"/>
           </a:p>
@@ -35622,7 +35638,7 @@
             </a:pPr>
             <a:fld id="{5DC17382-FDB2-4AB7-9274-D58CD3D00F77}" type="datetime3">
               <a:rPr lang="en-US" smtClean="0"/>
-              <a:t>30 April 2023</a:t>
+              <a:t>25 February 2024</a:t>
             </a:fld>
             <a:endParaRPr lang="en-US"/>
           </a:p>
